--- a/Presentation2/MarijaBelova752684Jan-PatrickKirchner742143FelixHennig752734.pptx
+++ b/Presentation2/MarijaBelova752684Jan-PatrickKirchner742143FelixHennig752734.pptx
@@ -5,14 +5,15 @@
     <p:sldMasterId id="2147483648" r:id="rId1"/>
   </p:sldMasterIdLst>
   <p:notesMasterIdLst>
-    <p:notesMasterId r:id="rId7"/>
+    <p:notesMasterId r:id="rId8"/>
   </p:notesMasterIdLst>
   <p:sldIdLst>
     <p:sldId id="256" r:id="rId2"/>
     <p:sldId id="276" r:id="rId3"/>
     <p:sldId id="277" r:id="rId4"/>
-    <p:sldId id="272" r:id="rId5"/>
-    <p:sldId id="275" r:id="rId6"/>
+    <p:sldId id="278" r:id="rId5"/>
+    <p:sldId id="272" r:id="rId6"/>
+    <p:sldId id="275" r:id="rId7"/>
   </p:sldIdLst>
   <p:sldSz cx="12192000" cy="6858000"/>
   <p:notesSz cx="6858000" cy="9144000"/>
@@ -564,7 +565,7 @@
           <a:effectLst/>
           <a:extLst>
             <a:ext uri="{91240B29-F687-4f45-9708-019B960494DF}">
-              <a14:hiddenLine xmlns:a14="http://schemas.microsoft.com/office/drawing/2010/main" xmlns="" w="9525">
+              <a14:hiddenLine xmlns="" xmlns:a14="http://schemas.microsoft.com/office/drawing/2010/main" w="9525">
                 <a:solidFill>
                   <a:srgbClr val="000000"/>
                 </a:solidFill>
@@ -2074,7 +2075,7 @@
           <a:ln/>
           <a:extLst>
             <a:ext uri="{91240B29-F687-4f45-9708-019B960494DF}">
-              <a14:hiddenLine xmlns:a14="http://schemas.microsoft.com/office/drawing/2010/main" xmlns="" w="9525">
+              <a14:hiddenLine xmlns="" xmlns:a14="http://schemas.microsoft.com/office/drawing/2010/main" w="9525">
                 <a:solidFill>
                   <a:srgbClr val="000000"/>
                 </a:solidFill>
@@ -2346,7 +2347,7 @@
           <a:ln/>
           <a:extLst>
             <a:ext uri="{91240B29-F687-4f45-9708-019B960494DF}">
-              <a14:hiddenLine xmlns:a14="http://schemas.microsoft.com/office/drawing/2010/main" xmlns="" w="9525">
+              <a14:hiddenLine xmlns="" xmlns:a14="http://schemas.microsoft.com/office/drawing/2010/main" w="9525">
                 <a:solidFill>
                   <a:srgbClr val="000000"/>
                 </a:solidFill>
@@ -2626,7 +2627,7 @@
           <a:ln/>
           <a:extLst>
             <a:ext uri="{91240B29-F687-4f45-9708-019B960494DF}">
-              <a14:hiddenLine xmlns:a14="http://schemas.microsoft.com/office/drawing/2010/main" xmlns="" w="9525">
+              <a14:hiddenLine xmlns="" xmlns:a14="http://schemas.microsoft.com/office/drawing/2010/main" w="9525">
                 <a:solidFill>
                   <a:srgbClr val="000000"/>
                 </a:solidFill>
@@ -3246,7 +3247,7 @@
           <a:ln/>
           <a:extLst>
             <a:ext uri="{91240B29-F687-4f45-9708-019B960494DF}">
-              <a14:hiddenLine xmlns:a14="http://schemas.microsoft.com/office/drawing/2010/main" xmlns="" w="9525">
+              <a14:hiddenLine xmlns="" xmlns:a14="http://schemas.microsoft.com/office/drawing/2010/main" w="9525">
                 <a:solidFill>
                   <a:srgbClr val="000000"/>
                 </a:solidFill>
@@ -3582,7 +3583,7 @@
           <a:ln/>
           <a:extLst>
             <a:ext uri="{91240B29-F687-4f45-9708-019B960494DF}">
-              <a14:hiddenLine xmlns:a14="http://schemas.microsoft.com/office/drawing/2010/main" xmlns="" w="9525">
+              <a14:hiddenLine xmlns="" xmlns:a14="http://schemas.microsoft.com/office/drawing/2010/main" w="9525">
                 <a:solidFill>
                   <a:srgbClr val="000000"/>
                 </a:solidFill>
@@ -4056,7 +4057,7 @@
           <a:ln/>
           <a:extLst>
             <a:ext uri="{91240B29-F687-4f45-9708-019B960494DF}">
-              <a14:hiddenLine xmlns:a14="http://schemas.microsoft.com/office/drawing/2010/main" xmlns="" w="9525">
+              <a14:hiddenLine xmlns="" xmlns:a14="http://schemas.microsoft.com/office/drawing/2010/main" w="9525">
                 <a:solidFill>
                   <a:srgbClr val="000000"/>
                 </a:solidFill>
@@ -4479,7 +4480,7 @@
           <a:ln/>
           <a:extLst>
             <a:ext uri="{91240B29-F687-4f45-9708-019B960494DF}">
-              <a14:hiddenLine xmlns:a14="http://schemas.microsoft.com/office/drawing/2010/main" xmlns="" w="9525">
+              <a14:hiddenLine xmlns="" xmlns:a14="http://schemas.microsoft.com/office/drawing/2010/main" w="9525">
                 <a:solidFill>
                   <a:srgbClr val="000000"/>
                 </a:solidFill>
@@ -6081,7 +6082,7 @@
         </p:blipFill>
         <p:spPr bwMode="auto">
           <a:xfrm>
-            <a:off x="10482484" y="95793"/>
+            <a:off x="10482484" y="-3125"/>
             <a:ext cx="1709516" cy="1709516"/>
           </a:xfrm>
           <a:prstGeom prst="rect">
@@ -6192,7 +6193,7 @@
           <a:p>
             <a:r>
               <a:rPr lang="en-US" b="1" dirty="0"/>
-              <a:t>Registration</a:t>
+              <a:t>Registration:</a:t>
             </a:r>
           </a:p>
           <a:p>
@@ -6377,14 +6378,14 @@
           <a:p>
             <a:r>
               <a:rPr lang="en-US" b="1" dirty="0"/>
-              <a:t>TLS</a:t>
+              <a:t>TLS:</a:t>
             </a:r>
           </a:p>
           <a:p>
             <a:pPr lvl="1"/>
             <a:r>
               <a:rPr lang="en-US" dirty="0"/>
-              <a:t>We ensured data confidentiality and integrity by using TLS channels.</a:t>
+              <a:t>We ensured data confidentiality and integrity by using TLS channels</a:t>
             </a:r>
           </a:p>
           <a:p>
@@ -6400,7 +6401,7 @@
           <a:p>
             <a:r>
               <a:rPr lang="en-US" b="1" dirty="0"/>
-              <a:t>Additionally</a:t>
+              <a:t>Additionally:</a:t>
             </a:r>
           </a:p>
           <a:p>
@@ -6505,6 +6506,93 @@
           <p:cNvPr id="2" name="Titel 1">
             <a:extLst>
               <a:ext uri="{FF2B5EF4-FFF2-40B4-BE49-F238E27FC236}">
+                <a16:creationId xmlns:a16="http://schemas.microsoft.com/office/drawing/2014/main" id="{2E271CC1-5E9B-408E-9D8F-886C476D264D}"/>
+              </a:ext>
+            </a:extLst>
+          </p:cNvPr>
+          <p:cNvSpPr>
+            <a:spLocks noGrp="1"/>
+          </p:cNvSpPr>
+          <p:nvPr>
+            <p:ph type="title"/>
+          </p:nvPr>
+        </p:nvSpPr>
+        <p:spPr/>
+        <p:txBody>
+          <a:bodyPr/>
+          <a:lstStyle/>
+          <a:p>
+            <a:r>
+              <a:rPr lang="de-DE" dirty="0"/>
+              <a:t>IBM Watson</a:t>
+            </a:r>
+          </a:p>
+        </p:txBody>
+      </p:sp>
+      <p:pic>
+        <p:nvPicPr>
+          <p:cNvPr id="7" name="Inhaltsplatzhalter 6">
+            <a:extLst>
+              <a:ext uri="{FF2B5EF4-FFF2-40B4-BE49-F238E27FC236}">
+                <a16:creationId xmlns:a16="http://schemas.microsoft.com/office/drawing/2014/main" id="{FA08313A-9314-4849-A91E-98204E266C2F}"/>
+              </a:ext>
+            </a:extLst>
+          </p:cNvPr>
+          <p:cNvPicPr>
+            <a:picLocks noGrp="1" noChangeAspect="1"/>
+          </p:cNvPicPr>
+          <p:nvPr>
+            <p:ph idx="1"/>
+          </p:nvPr>
+        </p:nvPicPr>
+        <p:blipFill>
+          <a:blip r:embed="rId2"/>
+          <a:stretch>
+            <a:fillRect/>
+          </a:stretch>
+        </p:blipFill>
+        <p:spPr>
+          <a:xfrm>
+            <a:off x="2976645" y="1923921"/>
+            <a:ext cx="6176685" cy="4867497"/>
+          </a:xfrm>
+        </p:spPr>
+      </p:pic>
+    </p:spTree>
+    <p:extLst>
+      <p:ext uri="{BB962C8B-B14F-4D97-AF65-F5344CB8AC3E}">
+        <p14:creationId xmlns:p14="http://schemas.microsoft.com/office/powerpoint/2010/main" val="3224362742"/>
+      </p:ext>
+    </p:extLst>
+  </p:cSld>
+  <p:clrMapOvr>
+    <a:masterClrMapping/>
+  </p:clrMapOvr>
+</p:sld>
+</file>
+
+<file path=ppt/slides/slide5.xml><?xml version="1.0" encoding="utf-8"?>
+<p:sld xmlns:a="http://schemas.openxmlformats.org/drawingml/2006/main" xmlns:r="http://schemas.openxmlformats.org/officeDocument/2006/relationships" xmlns:p="http://schemas.openxmlformats.org/presentationml/2006/main">
+  <p:cSld>
+    <p:spTree>
+      <p:nvGrpSpPr>
+        <p:cNvPr id="1" name=""/>
+        <p:cNvGrpSpPr/>
+        <p:nvPr/>
+      </p:nvGrpSpPr>
+      <p:grpSpPr>
+        <a:xfrm>
+          <a:off x="0" y="0"/>
+          <a:ext cx="0" cy="0"/>
+          <a:chOff x="0" y="0"/>
+          <a:chExt cx="0" cy="0"/>
+        </a:xfrm>
+      </p:grpSpPr>
+      <p:sp>
+        <p:nvSpPr>
+          <p:cNvPr id="2" name="Titel 1">
+            <a:extLst>
+              <a:ext uri="{FF2B5EF4-FFF2-40B4-BE49-F238E27FC236}">
                 <a16:creationId xmlns:a16="http://schemas.microsoft.com/office/drawing/2014/main" id="{9710CF07-43B8-4223-BA31-E7890804E015}"/>
               </a:ext>
             </a:extLst>
@@ -6549,7 +6637,7 @@
 </p:sld>
 </file>
 
-<file path=ppt/slides/slide5.xml><?xml version="1.0" encoding="utf-8"?>
+<file path=ppt/slides/slide6.xml><?xml version="1.0" encoding="utf-8"?>
 <p:sld xmlns:a="http://schemas.openxmlformats.org/drawingml/2006/main" xmlns:r="http://schemas.openxmlformats.org/officeDocument/2006/relationships" xmlns:p="http://schemas.openxmlformats.org/presentationml/2006/main">
   <p:cSld>
     <p:spTree>
